--- a/aws-autoscaling/aws-autoscaling.pptx
+++ b/aws-autoscaling/aws-autoscaling.pptx
@@ -116,6 +116,22 @@
       </a:defRPr>
     </a:lvl9pPr>
   </p:defaultTextStyle>
+  <p:extLst>
+    <p:ext uri="{EFAFB233-063F-42B5-8137-9DF3F51BA10A}">
+      <p15:sldGuideLst xmlns:p15="http://schemas.microsoft.com/office/powerpoint/2012/main">
+        <p15:guide id="1" orient="horz" pos="2160">
+          <p15:clr>
+            <a:srgbClr val="A4A3A4"/>
+          </p15:clr>
+        </p15:guide>
+        <p15:guide id="2" pos="2880">
+          <p15:clr>
+            <a:srgbClr val="A4A3A4"/>
+          </p15:clr>
+        </p15:guide>
+      </p15:sldGuideLst>
+    </p:ext>
+  </p:extLst>
 </p:presentation>
 </file>
 
@@ -201,7 +217,7 @@
           <a:p>
             <a:fld id="{1B6676A5-1300-B945-98B1-DD92DDC3A3CB}" type="datetimeFigureOut">
               <a:rPr lang="en-US" smtClean="0"/>
-              <a:t>4/20/15</a:t>
+              <a:t>12/1/15</a:t>
             </a:fld>
             <a:endParaRPr lang="en-US"/>
           </a:p>
@@ -2929,7 +2945,7 @@
           <a:p>
             <a:fld id="{7CE38E4D-051A-41E1-86A4-E56916468FD0}" type="datetimeFigureOut">
               <a:rPr lang="en-US" smtClean="0"/>
-              <a:t>4/20/15</a:t>
+              <a:t>12/1/15</a:t>
             </a:fld>
             <a:endParaRPr lang="en-US"/>
           </a:p>
@@ -3110,7 +3126,7 @@
           <a:p>
             <a:fld id="{7CE38E4D-051A-41E1-86A4-E56916468FD0}" type="datetimeFigureOut">
               <a:rPr lang="en-US" smtClean="0"/>
-              <a:t>4/20/15</a:t>
+              <a:t>12/1/15</a:t>
             </a:fld>
             <a:endParaRPr lang="en-US"/>
           </a:p>
@@ -3261,7 +3277,7 @@
           <a:p>
             <a:fld id="{7CE38E4D-051A-41E1-86A4-E56916468FD0}" type="datetimeFigureOut">
               <a:rPr lang="en-US" smtClean="0"/>
-              <a:t>4/20/15</a:t>
+              <a:t>12/1/15</a:t>
             </a:fld>
             <a:endParaRPr lang="en-US"/>
           </a:p>
@@ -5087,7 +5103,7 @@
           <a:p>
             <a:fld id="{7CE38E4D-051A-41E1-86A4-E56916468FD0}" type="datetimeFigureOut">
               <a:rPr lang="en-US" smtClean="0"/>
-              <a:t>4/20/15</a:t>
+              <a:t>12/1/15</a:t>
             </a:fld>
             <a:endParaRPr lang="en-US"/>
           </a:p>
@@ -6957,7 +6973,7 @@
           <a:p>
             <a:fld id="{7CE38E4D-051A-41E1-86A4-E56916468FD0}" type="datetimeFigureOut">
               <a:rPr lang="en-US" smtClean="0"/>
-              <a:t>4/20/15</a:t>
+              <a:t>12/1/15</a:t>
             </a:fld>
             <a:endParaRPr lang="en-US"/>
           </a:p>
@@ -7070,7 +7086,7 @@
           <a:p>
             <a:fld id="{7CE38E4D-051A-41E1-86A4-E56916468FD0}" type="datetimeFigureOut">
               <a:rPr lang="en-US" smtClean="0"/>
-              <a:t>4/20/15</a:t>
+              <a:t>12/1/15</a:t>
             </a:fld>
             <a:endParaRPr lang="en-US"/>
           </a:p>
@@ -7611,7 +7627,7 @@
           <a:p>
             <a:fld id="{7CE38E4D-051A-41E1-86A4-E56916468FD0}" type="datetimeFigureOut">
               <a:rPr lang="en-US" smtClean="0"/>
-              <a:t>4/20/15</a:t>
+              <a:t>12/1/15</a:t>
             </a:fld>
             <a:endParaRPr lang="en-US"/>
           </a:p>
@@ -7724,7 +7740,7 @@
           <a:p>
             <a:fld id="{7CE38E4D-051A-41E1-86A4-E56916468FD0}" type="datetimeFigureOut">
               <a:rPr lang="en-US" smtClean="0"/>
-              <a:t>4/20/15</a:t>
+              <a:t>12/1/15</a:t>
             </a:fld>
             <a:endParaRPr lang="en-US"/>
           </a:p>
@@ -9435,7 +9451,7 @@
           <a:p>
             <a:fld id="{7CE38E4D-051A-41E1-86A4-E56916468FD0}" type="datetimeFigureOut">
               <a:rPr lang="en-US" smtClean="0"/>
-              <a:t>4/20/15</a:t>
+              <a:t>12/1/15</a:t>
             </a:fld>
             <a:endParaRPr lang="en-US"/>
           </a:p>
@@ -9586,7 +9602,7 @@
           <a:p>
             <a:fld id="{7CE38E4D-051A-41E1-86A4-E56916468FD0}" type="datetimeFigureOut">
               <a:rPr lang="en-US" smtClean="0"/>
-              <a:t>4/20/15</a:t>
+              <a:t>12/1/15</a:t>
             </a:fld>
             <a:endParaRPr lang="en-US"/>
           </a:p>
@@ -13201,7 +13217,7 @@
           <a:p>
             <a:fld id="{7CE38E4D-051A-41E1-86A4-E56916468FD0}" type="datetimeFigureOut">
               <a:rPr lang="en-US" smtClean="0"/>
-              <a:t>4/20/15</a:t>
+              <a:t>12/1/15</a:t>
             </a:fld>
             <a:endParaRPr lang="en-US"/>
           </a:p>
@@ -15060,7 +15076,7 @@
           <a:p>
             <a:fld id="{7CE38E4D-051A-41E1-86A4-E56916468FD0}" type="datetimeFigureOut">
               <a:rPr lang="en-US" smtClean="0"/>
-              <a:t>4/20/15</a:t>
+              <a:t>12/1/15</a:t>
             </a:fld>
             <a:endParaRPr lang="en-US"/>
           </a:p>
@@ -15622,11 +15638,7 @@
             </a:r>
             <a:r>
               <a:rPr lang="en-US" smtClean="0"/>
-              <a:t>Colin </a:t>
-            </a:r>
-            <a:r>
-              <a:rPr lang="en-US" smtClean="0"/>
-              <a:t>Johnson</a:t>
+              <a:t>Colin Johnson</a:t>
             </a:r>
             <a:endParaRPr lang="en-US" dirty="0" smtClean="0"/>
           </a:p>
@@ -15645,7 +15657,7 @@
   <p:timing>
     <p:tnLst>
       <p:par>
-        <p:cTn xmlns:p14="http://schemas.microsoft.com/office/powerpoint/2010/main" id="1" dur="indefinite" restart="never" nodeType="tmRoot"/>
+        <p:cTn id="1" dur="indefinite" restart="never" nodeType="tmRoot"/>
       </p:par>
     </p:tnLst>
   </p:timing>
@@ -15789,7 +15801,7 @@
   <p:timing>
     <p:tnLst>
       <p:par>
-        <p:cTn xmlns:p14="http://schemas.microsoft.com/office/powerpoint/2010/main" id="1" dur="indefinite" restart="never" nodeType="tmRoot"/>
+        <p:cTn id="1" dur="indefinite" restart="never" nodeType="tmRoot"/>
       </p:par>
     </p:tnLst>
   </p:timing>
@@ -15848,12 +15860,12 @@
               <a:t>Respond to changes in </a:t>
             </a:r>
             <a:r>
-              <a:rPr lang="en-US" dirty="0" err="1" smtClean="0"/>
-              <a:t>demandScale</a:t>
+              <a:rPr lang="en-US" dirty="0" smtClean="0"/>
+              <a:t>demand, scale </a:t>
             </a:r>
             <a:r>
               <a:rPr lang="en-US" dirty="0" smtClean="0"/>
-              <a:t> More Instances into Service</a:t>
+              <a:t>More Instances into Service</a:t>
             </a:r>
           </a:p>
           <a:p>
@@ -15941,7 +15953,7 @@
   <p:timing>
     <p:tnLst>
       <p:par>
-        <p:cTn xmlns:p14="http://schemas.microsoft.com/office/powerpoint/2010/main" id="1" dur="indefinite" restart="never" nodeType="tmRoot"/>
+        <p:cTn id="1" dur="indefinite" restart="never" nodeType="tmRoot"/>
       </p:par>
     </p:tnLst>
   </p:timing>
@@ -15990,14 +16002,42 @@
           <a:p>
             <a:r>
               <a:rPr lang="en-US" dirty="0" smtClean="0"/>
-              <a:t>Reduce time to provision servers</a:t>
+              <a:t>Reduce time to provision </a:t>
             </a:r>
-          </a:p>
-          <a:p>
             <a:r>
               <a:rPr lang="en-US" dirty="0" smtClean="0"/>
-              <a:t>Reduce time to resolve incidents</a:t>
+              <a:t>servers</a:t>
             </a:r>
+          </a:p>
+          <a:p>
+            <a:pPr lvl="1"/>
+            <a:r>
+              <a:rPr lang="en-US" dirty="0" smtClean="0"/>
+              <a:t>Build servers automatically as opposed to manually</a:t>
+            </a:r>
+            <a:endParaRPr lang="en-US" dirty="0" smtClean="0"/>
+          </a:p>
+          <a:p>
+            <a:r>
+              <a:rPr lang="en-US" dirty="0" smtClean="0"/>
+              <a:t>Reduce time to resolve </a:t>
+            </a:r>
+            <a:r>
+              <a:rPr lang="en-US" dirty="0" smtClean="0"/>
+              <a:t>incidents</a:t>
+            </a:r>
+          </a:p>
+          <a:p>
+            <a:pPr lvl="1"/>
+            <a:r>
+              <a:rPr lang="en-US" dirty="0" smtClean="0"/>
+              <a:t>Just scale new machines </a:t>
+            </a:r>
+            <a:r>
+              <a:rPr lang="en-US" smtClean="0"/>
+              <a:t>into service</a:t>
+            </a:r>
+            <a:endParaRPr lang="en-US" dirty="0" smtClean="0"/>
           </a:p>
           <a:p>
             <a:r>
@@ -16051,7 +16091,7 @@
   <p:timing>
     <p:tnLst>
       <p:par>
-        <p:cTn xmlns:p14="http://schemas.microsoft.com/office/powerpoint/2010/main" id="1" dur="indefinite" restart="never" nodeType="tmRoot"/>
+        <p:cTn id="1" dur="indefinite" restart="never" nodeType="tmRoot"/>
       </p:par>
     </p:tnLst>
   </p:timing>
@@ -16309,7 +16349,7 @@
   <p:timing>
     <p:tnLst>
       <p:par>
-        <p:cTn xmlns:p14="http://schemas.microsoft.com/office/powerpoint/2010/main" id="1" dur="indefinite" restart="never" nodeType="tmRoot"/>
+        <p:cTn id="1" dur="indefinite" restart="never" nodeType="tmRoot"/>
       </p:par>
     </p:tnLst>
   </p:timing>
@@ -16441,7 +16481,7 @@
   <p:timing>
     <p:tnLst>
       <p:par>
-        <p:cTn xmlns:p14="http://schemas.microsoft.com/office/powerpoint/2010/main" id="1" dur="indefinite" restart="never" nodeType="tmRoot"/>
+        <p:cTn id="1" dur="indefinite" restart="never" nodeType="tmRoot"/>
       </p:par>
     </p:tnLst>
   </p:timing>
@@ -16546,7 +16586,7 @@
   <p:timing>
     <p:tnLst>
       <p:par>
-        <p:cTn xmlns:p14="http://schemas.microsoft.com/office/powerpoint/2010/main" id="1" dur="indefinite" restart="never" nodeType="tmRoot"/>
+        <p:cTn id="1" dur="indefinite" restart="never" nodeType="tmRoot"/>
       </p:par>
     </p:tnLst>
   </p:timing>
@@ -16583,7 +16623,7 @@
         <p:spPr/>
         <p:txBody>
           <a:bodyPr>
-            <a:normAutofit lnSpcReduction="10000"/>
+            <a:normAutofit/>
           </a:bodyPr>
           <a:lstStyle/>
           <a:p>
@@ -16666,7 +16706,7 @@
   <p:timing>
     <p:tnLst>
       <p:par>
-        <p:cTn xmlns:p14="http://schemas.microsoft.com/office/powerpoint/2010/main" id="1" dur="indefinite" restart="never" nodeType="tmRoot"/>
+        <p:cTn id="1" dur="indefinite" restart="never" nodeType="tmRoot"/>
       </p:par>
     </p:tnLst>
   </p:timing>
@@ -16802,7 +16842,7 @@
   <p:timing>
     <p:tnLst>
       <p:par>
-        <p:cTn xmlns:p14="http://schemas.microsoft.com/office/powerpoint/2010/main" id="1" dur="indefinite" restart="never" nodeType="tmRoot"/>
+        <p:cTn id="1" dur="indefinite" restart="never" nodeType="tmRoot"/>
       </p:par>
     </p:tnLst>
   </p:timing>
